--- a/yjd/design.pptx
+++ b/yjd/design.pptx
@@ -3097,6 +3097,36 @@
           <a:chExt cx="0" cy="0"/>
         </a:xfrm>
       </p:grpSpPr>
+      <p:pic>
+        <p:nvPicPr>
+          <p:cNvPr id="2" name="图片 1"/>
+          <p:cNvPicPr>
+            <a:picLocks noChangeAspect="1"/>
+          </p:cNvPicPr>
+          <p:nvPr/>
+        </p:nvPicPr>
+        <p:blipFill>
+          <a:blip r:embed="rId2">
+            <a:extLst>
+              <a:ext uri="{28A0092B-C50C-407E-A947-70E740481C1C}">
+                <a14:useLocalDpi xmlns:a14="http://schemas.microsoft.com/office/drawing/2010/main" val="0"/>
+              </a:ext>
+            </a:extLst>
+          </a:blip>
+          <a:stretch>
+            <a:fillRect/>
+          </a:stretch>
+        </p:blipFill>
+        <p:spPr>
+          <a:xfrm>
+            <a:off x="2249247" y="0"/>
+            <a:ext cx="5143500" cy="6858000"/>
+          </a:xfrm>
+          <a:prstGeom prst="rect">
+            <a:avLst/>
+          </a:prstGeom>
+        </p:spPr>
+      </p:pic>
       <p:sp>
         <p:nvSpPr>
           <p:cNvPr id="4" name="TextBox 3"/>
@@ -3105,8 +3135,8 @@
         </p:nvSpPr>
         <p:spPr>
           <a:xfrm>
-            <a:off x="1259632" y="1556792"/>
-            <a:ext cx="7056784" cy="2800767"/>
+            <a:off x="1292605" y="4185662"/>
+            <a:ext cx="7056784" cy="2123658"/>
           </a:xfrm>
           <a:prstGeom prst="rect">
             <a:avLst/>
@@ -3121,7 +3151,7 @@
           <a:p>
             <a:pPr algn="ctr"/>
             <a:r>
-              <a:rPr lang="zh-CN" altLang="en-US" sz="4400" b="1" dirty="0" smtClean="0">
+              <a:rPr lang="zh-CN" altLang="en-US" sz="3200" b="1" dirty="0" smtClean="0">
                 <a:ln w="12700">
                   <a:solidFill>
                     <a:schemeClr val="tx2">
@@ -3152,7 +3182,7 @@
               <a:t>暑期福利</a:t>
             </a:r>
             <a:r>
-              <a:rPr lang="zh-CN" altLang="en-US" sz="8800" b="1" dirty="0" smtClean="0">
+              <a:rPr lang="zh-CN" altLang="en-US" sz="6600" b="1" dirty="0" smtClean="0">
                 <a:ln w="12700">
                   <a:solidFill>
                     <a:schemeClr val="tx2">
@@ -3182,7 +3212,7 @@
               </a:rPr>
               <a:t>重磅来袭</a:t>
             </a:r>
-            <a:endParaRPr lang="en-US" altLang="zh-CN" sz="6600" b="1" dirty="0" smtClean="0">
+            <a:endParaRPr lang="en-US" altLang="zh-CN" sz="4800" b="1" dirty="0" smtClean="0">
               <a:ln w="12700">
                 <a:solidFill>
                   <a:schemeClr val="tx2">
@@ -3214,7 +3244,7 @@
           <a:p>
             <a:pPr algn="ctr"/>
             <a:r>
-              <a:rPr lang="zh-CN" altLang="en-US" sz="8800" b="1" dirty="0" smtClean="0">
+              <a:rPr lang="zh-CN" altLang="en-US" sz="6600" b="1" dirty="0" smtClean="0">
                 <a:ln w="12700">
                   <a:solidFill>
                     <a:schemeClr val="tx2">
@@ -3245,7 +3275,7 @@
               <a:t>礼惠全城</a:t>
             </a:r>
             <a:r>
-              <a:rPr lang="zh-CN" altLang="en-US" sz="4400" b="1" dirty="0" smtClean="0">
+              <a:rPr lang="zh-CN" altLang="en-US" sz="3200" b="1" dirty="0" smtClean="0">
                 <a:ln w="12700">
                   <a:solidFill>
                     <a:schemeClr val="tx2">
@@ -3275,7 +3305,7 @@
               </a:rPr>
               <a:t>服务社区</a:t>
             </a:r>
-            <a:endParaRPr lang="zh-CN" altLang="en-US" sz="4400" b="1" dirty="0">
+            <a:endParaRPr lang="zh-CN" altLang="en-US" sz="3200" b="1" dirty="0">
               <a:ln w="12700">
                 <a:solidFill>
                   <a:schemeClr val="tx2">

--- a/yjd/design.pptx
+++ b/yjd/design.pptx
@@ -138,7 +138,7 @@
         </p:nvSpPr>
         <p:spPr>
           <a:xfrm>
-            <a:off x="685800" y="2130425"/>
+            <a:off x="685800" y="2130426"/>
             <a:ext cx="7772400" cy="1470025"/>
           </a:xfrm>
         </p:spPr>
@@ -550,7 +550,7 @@
         </p:nvSpPr>
         <p:spPr>
           <a:xfrm>
-            <a:off x="6629400" y="274638"/>
+            <a:off x="6629400" y="274639"/>
             <a:ext cx="2057400" cy="5851525"/>
           </a:xfrm>
         </p:spPr>
@@ -578,7 +578,7 @@
         </p:nvSpPr>
         <p:spPr>
           <a:xfrm>
-            <a:off x="457200" y="274638"/>
+            <a:off x="457200" y="274639"/>
             <a:ext cx="6019800" cy="5851525"/>
           </a:xfrm>
         </p:spPr>
@@ -932,7 +932,7 @@
         </p:nvSpPr>
         <p:spPr>
           <a:xfrm>
-            <a:off x="722313" y="2906713"/>
+            <a:off x="722313" y="2906714"/>
             <a:ext cx="7772400" cy="1500187"/>
           </a:xfrm>
         </p:spPr>
@@ -1169,7 +1169,7 @@
         </p:nvSpPr>
         <p:spPr>
           <a:xfrm>
-            <a:off x="457200" y="1600200"/>
+            <a:off x="457200" y="1600201"/>
             <a:ext cx="4038600" cy="4525963"/>
           </a:xfrm>
         </p:spPr>
@@ -1254,7 +1254,7 @@
         </p:nvSpPr>
         <p:spPr>
           <a:xfrm>
-            <a:off x="4648200" y="1600200"/>
+            <a:off x="4648200" y="1600201"/>
             <a:ext cx="4038600" cy="4525963"/>
           </a:xfrm>
         </p:spPr>
@@ -1461,7 +1461,7 @@
         </p:nvSpPr>
         <p:spPr>
           <a:xfrm>
-            <a:off x="457200" y="1535113"/>
+            <a:off x="457201" y="1535113"/>
             <a:ext cx="4040188" cy="639762"/>
           </a:xfrm>
         </p:spPr>
@@ -1526,7 +1526,7 @@
         </p:nvSpPr>
         <p:spPr>
           <a:xfrm>
-            <a:off x="457200" y="2174875"/>
+            <a:off x="457201" y="2174875"/>
             <a:ext cx="4040188" cy="3951288"/>
           </a:xfrm>
         </p:spPr>
@@ -1611,7 +1611,7 @@
         </p:nvSpPr>
         <p:spPr>
           <a:xfrm>
-            <a:off x="4645025" y="1535113"/>
+            <a:off x="4645026" y="1535113"/>
             <a:ext cx="4041775" cy="639762"/>
           </a:xfrm>
         </p:spPr>
@@ -1676,7 +1676,7 @@
         </p:nvSpPr>
         <p:spPr>
           <a:xfrm>
-            <a:off x="4645025" y="2174875"/>
+            <a:off x="4645026" y="2174875"/>
             <a:ext cx="4041775" cy="3951288"/>
           </a:xfrm>
         </p:spPr>
@@ -2069,7 +2069,7 @@
         </p:nvSpPr>
         <p:spPr>
           <a:xfrm>
-            <a:off x="457200" y="273050"/>
+            <a:off x="457201" y="273050"/>
             <a:ext cx="3008313" cy="1162050"/>
           </a:xfrm>
         </p:spPr>
@@ -2101,8 +2101,8 @@
         </p:nvSpPr>
         <p:spPr>
           <a:xfrm>
-            <a:off x="3575050" y="273050"/>
-            <a:ext cx="5111750" cy="5853113"/>
+            <a:off x="3575050" y="273051"/>
+            <a:ext cx="5111751" cy="5853113"/>
           </a:xfrm>
         </p:spPr>
         <p:txBody>
@@ -2186,7 +2186,7 @@
         </p:nvSpPr>
         <p:spPr>
           <a:xfrm>
-            <a:off x="457200" y="1435100"/>
+            <a:off x="457201" y="1435101"/>
             <a:ext cx="3008313" cy="4691063"/>
           </a:xfrm>
         </p:spPr>
@@ -2346,7 +2346,7 @@
         </p:nvSpPr>
         <p:spPr>
           <a:xfrm>
-            <a:off x="1792288" y="4800600"/>
+            <a:off x="1792288" y="4800601"/>
             <a:ext cx="5486400" cy="566738"/>
           </a:xfrm>
         </p:spPr>
@@ -2439,7 +2439,7 @@
         </p:nvSpPr>
         <p:spPr>
           <a:xfrm>
-            <a:off x="1792288" y="5367338"/>
+            <a:off x="1792288" y="5367339"/>
             <a:ext cx="5486400" cy="804862"/>
           </a:xfrm>
         </p:spPr>
@@ -2637,7 +2637,7 @@
         </p:nvSpPr>
         <p:spPr>
           <a:xfrm>
-            <a:off x="457200" y="1600200"/>
+            <a:off x="457200" y="1600201"/>
             <a:ext cx="8229600" cy="4525963"/>
           </a:xfrm>
           <a:prstGeom prst="rect">
@@ -2699,7 +2699,7 @@
         </p:nvSpPr>
         <p:spPr>
           <a:xfrm>
-            <a:off x="457200" y="6356350"/>
+            <a:off x="457200" y="6356351"/>
             <a:ext cx="2133600" cy="365125"/>
           </a:xfrm>
           <a:prstGeom prst="rect">
@@ -2740,7 +2740,7 @@
         </p:nvSpPr>
         <p:spPr>
           <a:xfrm>
-            <a:off x="3124200" y="6356350"/>
+            <a:off x="3124200" y="6356351"/>
             <a:ext cx="2895600" cy="365125"/>
           </a:xfrm>
           <a:prstGeom prst="rect">
@@ -2777,7 +2777,7 @@
         </p:nvSpPr>
         <p:spPr>
           <a:xfrm>
-            <a:off x="6553200" y="6356350"/>
+            <a:off x="6553200" y="6356351"/>
             <a:ext cx="2133600" cy="365125"/>
           </a:xfrm>
           <a:prstGeom prst="rect">
@@ -3753,6 +3753,96 @@
           <a:chExt cx="0" cy="0"/>
         </a:xfrm>
       </p:grpSpPr>
+      <p:pic>
+        <p:nvPicPr>
+          <p:cNvPr id="5" name="图片 4"/>
+          <p:cNvPicPr>
+            <a:picLocks noChangeAspect="1"/>
+          </p:cNvPicPr>
+          <p:nvPr/>
+        </p:nvPicPr>
+        <p:blipFill>
+          <a:blip r:embed="rId2" cstate="print">
+            <a:extLst>
+              <a:ext uri="{28A0092B-C50C-407E-A947-70E740481C1C}">
+                <a14:useLocalDpi xmlns:a14="http://schemas.microsoft.com/office/drawing/2010/main" val="0"/>
+              </a:ext>
+            </a:extLst>
+          </a:blip>
+          <a:stretch>
+            <a:fillRect/>
+          </a:stretch>
+        </p:blipFill>
+        <p:spPr>
+          <a:xfrm>
+            <a:off x="1187624" y="2924944"/>
+            <a:ext cx="2659224" cy="3545632"/>
+          </a:xfrm>
+          <a:prstGeom prst="rect">
+            <a:avLst/>
+          </a:prstGeom>
+        </p:spPr>
+      </p:pic>
+      <p:pic>
+        <p:nvPicPr>
+          <p:cNvPr id="6" name="图片 5"/>
+          <p:cNvPicPr>
+            <a:picLocks noChangeAspect="1"/>
+          </p:cNvPicPr>
+          <p:nvPr/>
+        </p:nvPicPr>
+        <p:blipFill>
+          <a:blip r:embed="rId3" cstate="print">
+            <a:extLst>
+              <a:ext uri="{28A0092B-C50C-407E-A947-70E740481C1C}">
+                <a14:useLocalDpi xmlns:a14="http://schemas.microsoft.com/office/drawing/2010/main" val="0"/>
+              </a:ext>
+            </a:extLst>
+          </a:blip>
+          <a:stretch>
+            <a:fillRect/>
+          </a:stretch>
+        </p:blipFill>
+        <p:spPr>
+          <a:xfrm>
+            <a:off x="2699792" y="332656"/>
+            <a:ext cx="3140791" cy="4187720"/>
+          </a:xfrm>
+          <a:prstGeom prst="rect">
+            <a:avLst/>
+          </a:prstGeom>
+        </p:spPr>
+      </p:pic>
+      <p:pic>
+        <p:nvPicPr>
+          <p:cNvPr id="2" name="图片 1"/>
+          <p:cNvPicPr>
+            <a:picLocks noChangeAspect="1"/>
+          </p:cNvPicPr>
+          <p:nvPr/>
+        </p:nvPicPr>
+        <p:blipFill>
+          <a:blip r:embed="rId4" cstate="print">
+            <a:extLst>
+              <a:ext uri="{28A0092B-C50C-407E-A947-70E740481C1C}">
+                <a14:useLocalDpi xmlns:a14="http://schemas.microsoft.com/office/drawing/2010/main" val="0"/>
+              </a:ext>
+            </a:extLst>
+          </a:blip>
+          <a:stretch>
+            <a:fillRect/>
+          </a:stretch>
+        </p:blipFill>
+        <p:spPr>
+          <a:xfrm>
+            <a:off x="755577" y="37485"/>
+            <a:ext cx="2489630" cy="3319507"/>
+          </a:xfrm>
+          <a:prstGeom prst="rect">
+            <a:avLst/>
+          </a:prstGeom>
+        </p:spPr>
+      </p:pic>
     </p:spTree>
     <p:extLst>
       <p:ext uri="{BB962C8B-B14F-4D97-AF65-F5344CB8AC3E}">

--- a/yjd/design.pptx
+++ b/yjd/design.pptx
@@ -8,6 +8,7 @@
     <p:sldId id="257" r:id="rId2"/>
     <p:sldId id="258" r:id="rId3"/>
     <p:sldId id="259" r:id="rId4"/>
+    <p:sldId id="260" r:id="rId5"/>
   </p:sldIdLst>
   <p:sldSz cx="9144000" cy="6858000" type="screen4x3"/>
   <p:notesSz cx="6858000" cy="9144000"/>
@@ -3863,6 +3864,167 @@
 </p:sld>
 </file>
 
+<file path=ppt/slides/slide4.xml><?xml version="1.0" encoding="utf-8"?>
+<p:sld xmlns:a="http://schemas.openxmlformats.org/drawingml/2006/main" xmlns:r="http://schemas.openxmlformats.org/officeDocument/2006/relationships" xmlns:p="http://schemas.openxmlformats.org/presentationml/2006/main">
+  <p:cSld>
+    <p:spTree>
+      <p:nvGrpSpPr>
+        <p:cNvPr id="1" name=""/>
+        <p:cNvGrpSpPr/>
+        <p:nvPr/>
+      </p:nvGrpSpPr>
+      <p:grpSpPr>
+        <a:xfrm>
+          <a:off x="0" y="0"/>
+          <a:ext cx="0" cy="0"/>
+          <a:chOff x="0" y="0"/>
+          <a:chExt cx="0" cy="0"/>
+        </a:xfrm>
+      </p:grpSpPr>
+      <p:pic>
+        <p:nvPicPr>
+          <p:cNvPr id="4" name="图片 3"/>
+          <p:cNvPicPr>
+            <a:picLocks noChangeAspect="1"/>
+          </p:cNvPicPr>
+          <p:nvPr/>
+        </p:nvPicPr>
+        <p:blipFill>
+          <a:blip r:embed="rId2">
+            <a:extLst>
+              <a:ext uri="{28A0092B-C50C-407E-A947-70E740481C1C}">
+                <a14:useLocalDpi xmlns:a14="http://schemas.microsoft.com/office/drawing/2010/main" val="0"/>
+              </a:ext>
+            </a:extLst>
+          </a:blip>
+          <a:stretch>
+            <a:fillRect/>
+          </a:stretch>
+        </p:blipFill>
+        <p:spPr>
+          <a:xfrm>
+            <a:off x="1331640" y="0"/>
+            <a:ext cx="3498946" cy="3498946"/>
+          </a:xfrm>
+          <a:prstGeom prst="rect">
+            <a:avLst/>
+          </a:prstGeom>
+        </p:spPr>
+      </p:pic>
+      <p:pic>
+        <p:nvPicPr>
+          <p:cNvPr id="5" name="图片 4"/>
+          <p:cNvPicPr>
+            <a:picLocks noChangeAspect="1"/>
+          </p:cNvPicPr>
+          <p:nvPr/>
+        </p:nvPicPr>
+        <p:blipFill>
+          <a:blip r:embed="rId3" cstate="print">
+            <a:extLst>
+              <a:ext uri="{28A0092B-C50C-407E-A947-70E740481C1C}">
+                <a14:useLocalDpi xmlns:a14="http://schemas.microsoft.com/office/drawing/2010/main" val="0"/>
+              </a:ext>
+            </a:extLst>
+          </a:blip>
+          <a:stretch>
+            <a:fillRect/>
+          </a:stretch>
+        </p:blipFill>
+        <p:spPr>
+          <a:xfrm>
+            <a:off x="4830586" y="0"/>
+            <a:ext cx="4336440" cy="6858000"/>
+          </a:xfrm>
+          <a:prstGeom prst="rect">
+            <a:avLst/>
+          </a:prstGeom>
+        </p:spPr>
+      </p:pic>
+      <p:pic>
+        <p:nvPicPr>
+          <p:cNvPr id="1026" name="Picture 2"/>
+          <p:cNvPicPr>
+            <a:picLocks noChangeAspect="1" noChangeArrowheads="1"/>
+          </p:cNvPicPr>
+          <p:nvPr/>
+        </p:nvPicPr>
+        <p:blipFill>
+          <a:blip r:embed="rId4">
+            <a:extLst>
+              <a:ext uri="{28A0092B-C50C-407E-A947-70E740481C1C}">
+                <a14:useLocalDpi xmlns:a14="http://schemas.microsoft.com/office/drawing/2010/main" val="0"/>
+              </a:ext>
+            </a:extLst>
+          </a:blip>
+          <a:srcRect/>
+          <a:stretch>
+            <a:fillRect/>
+          </a:stretch>
+        </p:blipFill>
+        <p:spPr bwMode="auto">
+          <a:xfrm>
+            <a:off x="1331640" y="3386438"/>
+            <a:ext cx="3498946" cy="3498946"/>
+          </a:xfrm>
+          <a:prstGeom prst="rect">
+            <a:avLst/>
+          </a:prstGeom>
+          <a:noFill/>
+          <a:ln>
+            <a:noFill/>
+          </a:ln>
+          <a:effectLst/>
+          <a:extLst>
+            <a:ext uri="{909E8E84-426E-40DD-AFC4-6F175D3DCCD1}">
+              <a14:hiddenFill xmlns:a14="http://schemas.microsoft.com/office/drawing/2010/main">
+                <a:solidFill>
+                  <a:schemeClr val="accent1"/>
+                </a:solidFill>
+              </a14:hiddenFill>
+            </a:ext>
+            <a:ext uri="{91240B29-F687-4F45-9708-019B960494DF}">
+              <a14:hiddenLine xmlns:a14="http://schemas.microsoft.com/office/drawing/2010/main" w="9525">
+                <a:solidFill>
+                  <a:schemeClr val="tx1"/>
+                </a:solidFill>
+                <a:miter lim="800000"/>
+                <a:headEnd/>
+                <a:tailEnd/>
+              </a14:hiddenLine>
+            </a:ext>
+            <a:ext uri="{AF507438-7753-43E0-B8FC-AC1667EBCBE1}">
+              <a14:hiddenEffects xmlns:a14="http://schemas.microsoft.com/office/drawing/2010/main">
+                <a:effectLst>
+                  <a:outerShdw dist="35921" dir="2700000" algn="ctr" rotWithShape="0">
+                    <a:schemeClr val="bg2"/>
+                  </a:outerShdw>
+                </a:effectLst>
+              </a14:hiddenEffects>
+            </a:ext>
+          </a:extLst>
+        </p:spPr>
+      </p:pic>
+    </p:spTree>
+    <p:extLst>
+      <p:ext uri="{BB962C8B-B14F-4D97-AF65-F5344CB8AC3E}">
+        <p14:creationId xmlns:p14="http://schemas.microsoft.com/office/powerpoint/2010/main" val="900784522"/>
+      </p:ext>
+    </p:extLst>
+  </p:cSld>
+  <p:clrMapOvr>
+    <a:masterClrMapping/>
+  </p:clrMapOvr>
+  <p:timing>
+    <p:tnLst>
+      <p:par>
+        <p:cTn id="1" dur="indefinite" restart="never" nodeType="tmRoot"/>
+      </p:par>
+    </p:tnLst>
+  </p:timing>
+</p:sld>
+</file>
+
 <file path=ppt/theme/theme1.xml><?xml version="1.0" encoding="utf-8"?>
 <a:theme xmlns:a="http://schemas.openxmlformats.org/drawingml/2006/main" name="Office 主题​​">
   <a:themeElements>

--- a/yjd/design.pptx
+++ b/yjd/design.pptx
@@ -9,6 +9,7 @@
     <p:sldId id="258" r:id="rId3"/>
     <p:sldId id="259" r:id="rId4"/>
     <p:sldId id="260" r:id="rId5"/>
+    <p:sldId id="261" r:id="rId6"/>
   </p:sldIdLst>
   <p:sldSz cx="9144000" cy="6858000" type="screen4x3"/>
   <p:notesSz cx="6858000" cy="9144000"/>
@@ -291,7 +292,7 @@
           <a:p>
             <a:fld id="{CA6FEEFC-70F8-4D68-A6B1-1D9FA487A6DD}" type="datetimeFigureOut">
               <a:rPr lang="zh-CN" altLang="en-US" smtClean="0"/>
-              <a:t>2019年08月12日</a:t>
+              <a:t>2019年08月14日</a:t>
             </a:fld>
             <a:endParaRPr lang="zh-CN" altLang="en-US"/>
           </a:p>
@@ -461,7 +462,7 @@
           <a:p>
             <a:fld id="{CA6FEEFC-70F8-4D68-A6B1-1D9FA487A6DD}" type="datetimeFigureOut">
               <a:rPr lang="zh-CN" altLang="en-US" smtClean="0"/>
-              <a:t>2019年08月12日</a:t>
+              <a:t>2019年08月14日</a:t>
             </a:fld>
             <a:endParaRPr lang="zh-CN" altLang="en-US"/>
           </a:p>
@@ -641,7 +642,7 @@
           <a:p>
             <a:fld id="{CA6FEEFC-70F8-4D68-A6B1-1D9FA487A6DD}" type="datetimeFigureOut">
               <a:rPr lang="zh-CN" altLang="en-US" smtClean="0"/>
-              <a:t>2019年08月12日</a:t>
+              <a:t>2019年08月14日</a:t>
             </a:fld>
             <a:endParaRPr lang="zh-CN" altLang="en-US"/>
           </a:p>
@@ -811,7 +812,7 @@
           <a:p>
             <a:fld id="{CA6FEEFC-70F8-4D68-A6B1-1D9FA487A6DD}" type="datetimeFigureOut">
               <a:rPr lang="zh-CN" altLang="en-US" smtClean="0"/>
-              <a:t>2019年08月12日</a:t>
+              <a:t>2019年08月14日</a:t>
             </a:fld>
             <a:endParaRPr lang="zh-CN" altLang="en-US"/>
           </a:p>
@@ -1057,7 +1058,7 @@
           <a:p>
             <a:fld id="{CA6FEEFC-70F8-4D68-A6B1-1D9FA487A6DD}" type="datetimeFigureOut">
               <a:rPr lang="zh-CN" altLang="en-US" smtClean="0"/>
-              <a:t>2019年08月12日</a:t>
+              <a:t>2019年08月14日</a:t>
             </a:fld>
             <a:endParaRPr lang="zh-CN" altLang="en-US"/>
           </a:p>
@@ -1345,7 +1346,7 @@
           <a:p>
             <a:fld id="{CA6FEEFC-70F8-4D68-A6B1-1D9FA487A6DD}" type="datetimeFigureOut">
               <a:rPr lang="zh-CN" altLang="en-US" smtClean="0"/>
-              <a:t>2019年08月12日</a:t>
+              <a:t>2019年08月14日</a:t>
             </a:fld>
             <a:endParaRPr lang="zh-CN" altLang="en-US"/>
           </a:p>
@@ -1767,7 +1768,7 @@
           <a:p>
             <a:fld id="{CA6FEEFC-70F8-4D68-A6B1-1D9FA487A6DD}" type="datetimeFigureOut">
               <a:rPr lang="zh-CN" altLang="en-US" smtClean="0"/>
-              <a:t>2019年08月12日</a:t>
+              <a:t>2019年08月14日</a:t>
             </a:fld>
             <a:endParaRPr lang="zh-CN" altLang="en-US"/>
           </a:p>
@@ -1885,7 +1886,7 @@
           <a:p>
             <a:fld id="{CA6FEEFC-70F8-4D68-A6B1-1D9FA487A6DD}" type="datetimeFigureOut">
               <a:rPr lang="zh-CN" altLang="en-US" smtClean="0"/>
-              <a:t>2019年08月12日</a:t>
+              <a:t>2019年08月14日</a:t>
             </a:fld>
             <a:endParaRPr lang="zh-CN" altLang="en-US"/>
           </a:p>
@@ -1980,7 +1981,7 @@
           <a:p>
             <a:fld id="{CA6FEEFC-70F8-4D68-A6B1-1D9FA487A6DD}" type="datetimeFigureOut">
               <a:rPr lang="zh-CN" altLang="en-US" smtClean="0"/>
-              <a:t>2019年08月12日</a:t>
+              <a:t>2019年08月14日</a:t>
             </a:fld>
             <a:endParaRPr lang="zh-CN" altLang="en-US"/>
           </a:p>
@@ -2257,7 +2258,7 @@
           <a:p>
             <a:fld id="{CA6FEEFC-70F8-4D68-A6B1-1D9FA487A6DD}" type="datetimeFigureOut">
               <a:rPr lang="zh-CN" altLang="en-US" smtClean="0"/>
-              <a:t>2019年08月12日</a:t>
+              <a:t>2019年08月14日</a:t>
             </a:fld>
             <a:endParaRPr lang="zh-CN" altLang="en-US"/>
           </a:p>
@@ -2510,7 +2511,7 @@
           <a:p>
             <a:fld id="{CA6FEEFC-70F8-4D68-A6B1-1D9FA487A6DD}" type="datetimeFigureOut">
               <a:rPr lang="zh-CN" altLang="en-US" smtClean="0"/>
-              <a:t>2019年08月12日</a:t>
+              <a:t>2019年08月14日</a:t>
             </a:fld>
             <a:endParaRPr lang="zh-CN" altLang="en-US"/>
           </a:p>
@@ -2723,7 +2724,7 @@
           <a:p>
             <a:fld id="{CA6FEEFC-70F8-4D68-A6B1-1D9FA487A6DD}" type="datetimeFigureOut">
               <a:rPr lang="zh-CN" altLang="en-US" smtClean="0"/>
-              <a:t>2019年08月12日</a:t>
+              <a:t>2019年08月14日</a:t>
             </a:fld>
             <a:endParaRPr lang="zh-CN" altLang="en-US"/>
           </a:p>
@@ -4025,6 +4026,168 @@
 </p:sld>
 </file>
 
+<file path=ppt/slides/slide5.xml><?xml version="1.0" encoding="utf-8"?>
+<p:sld xmlns:a="http://schemas.openxmlformats.org/drawingml/2006/main" xmlns:r="http://schemas.openxmlformats.org/officeDocument/2006/relationships" xmlns:p="http://schemas.openxmlformats.org/presentationml/2006/main">
+  <p:cSld>
+    <p:spTree>
+      <p:nvGrpSpPr>
+        <p:cNvPr id="1" name=""/>
+        <p:cNvGrpSpPr/>
+        <p:nvPr/>
+      </p:nvGrpSpPr>
+      <p:grpSpPr>
+        <a:xfrm>
+          <a:off x="0" y="0"/>
+          <a:ext cx="0" cy="0"/>
+          <a:chOff x="0" y="0"/>
+          <a:chExt cx="0" cy="0"/>
+        </a:xfrm>
+      </p:grpSpPr>
+      <p:pic>
+        <p:nvPicPr>
+          <p:cNvPr id="4" name="图片 3"/>
+          <p:cNvPicPr>
+            <a:picLocks noChangeAspect="1"/>
+          </p:cNvPicPr>
+          <p:nvPr/>
+        </p:nvPicPr>
+        <p:blipFill>
+          <a:blip r:embed="rId2">
+            <a:extLst>
+              <a:ext uri="{28A0092B-C50C-407E-A947-70E740481C1C}">
+                <a14:useLocalDpi xmlns:a14="http://schemas.microsoft.com/office/drawing/2010/main" val="0"/>
+              </a:ext>
+            </a:extLst>
+          </a:blip>
+          <a:stretch>
+            <a:fillRect/>
+          </a:stretch>
+        </p:blipFill>
+        <p:spPr>
+          <a:xfrm>
+            <a:off x="1285785" y="2492896"/>
+            <a:ext cx="2047875" cy="2047875"/>
+          </a:xfrm>
+          <a:prstGeom prst="rect">
+            <a:avLst/>
+          </a:prstGeom>
+        </p:spPr>
+      </p:pic>
+      <p:cxnSp>
+        <p:nvCxnSpPr>
+          <p:cNvPr id="6" name="直接箭头连接符 5"/>
+          <p:cNvCxnSpPr/>
+          <p:nvPr/>
+        </p:nvCxnSpPr>
+        <p:spPr>
+          <a:xfrm flipH="1">
+            <a:off x="3491880" y="2780928"/>
+            <a:ext cx="972108" cy="0"/>
+          </a:xfrm>
+          <a:prstGeom prst="straightConnector1">
+            <a:avLst/>
+          </a:prstGeom>
+          <a:ln>
+            <a:tailEnd type="arrow"/>
+          </a:ln>
+        </p:spPr>
+        <p:style>
+          <a:lnRef idx="3">
+            <a:schemeClr val="accent5"/>
+          </a:lnRef>
+          <a:fillRef idx="0">
+            <a:schemeClr val="accent5"/>
+          </a:fillRef>
+          <a:effectRef idx="2">
+            <a:schemeClr val="accent5"/>
+          </a:effectRef>
+          <a:fontRef idx="minor">
+            <a:schemeClr val="tx1"/>
+          </a:fontRef>
+        </p:style>
+      </p:cxnSp>
+      <p:sp>
+        <p:nvSpPr>
+          <p:cNvPr id="9" name="TextBox 8"/>
+          <p:cNvSpPr txBox="1"/>
+          <p:nvPr/>
+        </p:nvSpPr>
+        <p:spPr>
+          <a:xfrm>
+            <a:off x="3333660" y="2939460"/>
+            <a:ext cx="4982756" cy="1569660"/>
+          </a:xfrm>
+          <a:prstGeom prst="rect">
+            <a:avLst/>
+          </a:prstGeom>
+          <a:noFill/>
+        </p:spPr>
+        <p:txBody>
+          <a:bodyPr wrap="square" rtlCol="0">
+            <a:spAutoFit/>
+          </a:bodyPr>
+          <a:lstStyle/>
+          <a:p>
+            <a:r>
+              <a:rPr lang="zh-CN" altLang="en-US" sz="3200" dirty="0">
+                <a:latin typeface="方正卡通_GBK" pitchFamily="2" charset="-122"/>
+                <a:ea typeface="方正卡通_GBK" pitchFamily="2" charset="-122"/>
+              </a:rPr>
+              <a:t>还在等什么</a:t>
+            </a:r>
+            <a:r>
+              <a:rPr lang="zh-CN" altLang="en-US" sz="3200" dirty="0" smtClean="0">
+                <a:latin typeface="方正卡通_GBK" pitchFamily="2" charset="-122"/>
+                <a:ea typeface="方正卡通_GBK" pitchFamily="2" charset="-122"/>
+              </a:rPr>
+              <a:t>？</a:t>
+            </a:r>
+            <a:endParaRPr lang="en-US" altLang="zh-CN" sz="3200" dirty="0" smtClean="0">
+              <a:latin typeface="方正卡通_GBK" pitchFamily="2" charset="-122"/>
+              <a:ea typeface="方正卡通_GBK" pitchFamily="2" charset="-122"/>
+            </a:endParaRPr>
+          </a:p>
+          <a:p>
+            <a:r>
+              <a:rPr lang="zh-CN" altLang="en-US" sz="3200" dirty="0" smtClean="0">
+                <a:latin typeface="方正卡通_GBK" pitchFamily="2" charset="-122"/>
+                <a:ea typeface="方正卡通_GBK" pitchFamily="2" charset="-122"/>
+              </a:rPr>
+              <a:t>长按图片扫描二维码。</a:t>
+            </a:r>
+            <a:endParaRPr lang="zh-CN" altLang="en-US" sz="3200" dirty="0">
+              <a:latin typeface="方正卡通_GBK" pitchFamily="2" charset="-122"/>
+              <a:ea typeface="方正卡通_GBK" pitchFamily="2" charset="-122"/>
+            </a:endParaRPr>
+          </a:p>
+          <a:p>
+            <a:r>
+              <a:rPr lang="zh-CN" altLang="en-US" sz="3200" dirty="0" smtClean="0">
+                <a:latin typeface="方正卡通_GBK" pitchFamily="2" charset="-122"/>
+                <a:ea typeface="方正卡通_GBK" pitchFamily="2" charset="-122"/>
+              </a:rPr>
+              <a:t>扫码领取更多精彩福利！</a:t>
+            </a:r>
+            <a:endParaRPr lang="en-US" altLang="zh-CN" sz="3200" dirty="0" smtClean="0">
+              <a:latin typeface="方正卡通_GBK" pitchFamily="2" charset="-122"/>
+              <a:ea typeface="方正卡通_GBK" pitchFamily="2" charset="-122"/>
+            </a:endParaRPr>
+          </a:p>
+        </p:txBody>
+      </p:sp>
+    </p:spTree>
+    <p:extLst>
+      <p:ext uri="{BB962C8B-B14F-4D97-AF65-F5344CB8AC3E}">
+        <p14:creationId xmlns:p14="http://schemas.microsoft.com/office/powerpoint/2010/main" val="607060660"/>
+      </p:ext>
+    </p:extLst>
+  </p:cSld>
+  <p:clrMapOvr>
+    <a:masterClrMapping/>
+  </p:clrMapOvr>
+</p:sld>
+</file>
+
 <file path=ppt/theme/theme1.xml><?xml version="1.0" encoding="utf-8"?>
 <a:theme xmlns:a="http://schemas.openxmlformats.org/drawingml/2006/main" name="Office 主题​​">
   <a:themeElements>

--- a/yjd/design.pptx
+++ b/yjd/design.pptx
@@ -140,7 +140,7 @@
         </p:nvSpPr>
         <p:spPr>
           <a:xfrm>
-            <a:off x="685800" y="2130426"/>
+            <a:off x="685800" y="2130427"/>
             <a:ext cx="7772400" cy="1470025"/>
           </a:xfrm>
         </p:spPr>
@@ -552,7 +552,7 @@
         </p:nvSpPr>
         <p:spPr>
           <a:xfrm>
-            <a:off x="6629400" y="274639"/>
+            <a:off x="6629400" y="274640"/>
             <a:ext cx="2057400" cy="5851525"/>
           </a:xfrm>
         </p:spPr>
@@ -580,7 +580,7 @@
         </p:nvSpPr>
         <p:spPr>
           <a:xfrm>
-            <a:off x="457200" y="274639"/>
+            <a:off x="457200" y="274640"/>
             <a:ext cx="6019800" cy="5851525"/>
           </a:xfrm>
         </p:spPr>
@@ -902,8 +902,8 @@
         </p:nvSpPr>
         <p:spPr>
           <a:xfrm>
-            <a:off x="722313" y="4406900"/>
-            <a:ext cx="7772400" cy="1362075"/>
+            <a:off x="722313" y="4406901"/>
+            <a:ext cx="7772400" cy="1362076"/>
           </a:xfrm>
         </p:spPr>
         <p:txBody>
@@ -934,7 +934,7 @@
         </p:nvSpPr>
         <p:spPr>
           <a:xfrm>
-            <a:off x="722313" y="2906714"/>
+            <a:off x="722313" y="2906715"/>
             <a:ext cx="7772400" cy="1500187"/>
           </a:xfrm>
         </p:spPr>
@@ -1463,7 +1463,7 @@
         </p:nvSpPr>
         <p:spPr>
           <a:xfrm>
-            <a:off x="457201" y="1535113"/>
+            <a:off x="457201" y="1535114"/>
             <a:ext cx="4040188" cy="639762"/>
           </a:xfrm>
         </p:spPr>
@@ -1613,7 +1613,7 @@
         </p:nvSpPr>
         <p:spPr>
           <a:xfrm>
-            <a:off x="4645026" y="1535113"/>
+            <a:off x="4645028" y="1535114"/>
             <a:ext cx="4041775" cy="639762"/>
           </a:xfrm>
         </p:spPr>
@@ -1678,7 +1678,7 @@
         </p:nvSpPr>
         <p:spPr>
           <a:xfrm>
-            <a:off x="4645026" y="2174875"/>
+            <a:off x="4645028" y="2174875"/>
             <a:ext cx="4041775" cy="3951288"/>
           </a:xfrm>
         </p:spPr>
@@ -2071,7 +2071,7 @@
         </p:nvSpPr>
         <p:spPr>
           <a:xfrm>
-            <a:off x="457201" y="273050"/>
+            <a:off x="457203" y="273051"/>
             <a:ext cx="3008313" cy="1162050"/>
           </a:xfrm>
         </p:spPr>
@@ -2103,7 +2103,7 @@
         </p:nvSpPr>
         <p:spPr>
           <a:xfrm>
-            <a:off x="3575050" y="273051"/>
+            <a:off x="3575052" y="273052"/>
             <a:ext cx="5111751" cy="5853113"/>
           </a:xfrm>
         </p:spPr>
@@ -2188,7 +2188,7 @@
         </p:nvSpPr>
         <p:spPr>
           <a:xfrm>
-            <a:off x="457201" y="1435101"/>
+            <a:off x="457203" y="1435102"/>
             <a:ext cx="3008313" cy="4691063"/>
           </a:xfrm>
         </p:spPr>
@@ -2701,7 +2701,7 @@
         </p:nvSpPr>
         <p:spPr>
           <a:xfrm>
-            <a:off x="457200" y="6356351"/>
+            <a:off x="457200" y="6356353"/>
             <a:ext cx="2133600" cy="365125"/>
           </a:xfrm>
           <a:prstGeom prst="rect">
@@ -2742,7 +2742,7 @@
         </p:nvSpPr>
         <p:spPr>
           <a:xfrm>
-            <a:off x="3124200" y="6356351"/>
+            <a:off x="3124200" y="6356353"/>
             <a:ext cx="2895600" cy="365125"/>
           </a:xfrm>
           <a:prstGeom prst="rect">
@@ -2779,7 +2779,7 @@
         </p:nvSpPr>
         <p:spPr>
           <a:xfrm>
-            <a:off x="6553200" y="6356351"/>
+            <a:off x="6553200" y="6356353"/>
             <a:ext cx="2133600" cy="365125"/>
           </a:xfrm>
           <a:prstGeom prst="rect">
@@ -3383,13 +3383,13 @@
         </p:nvSpPr>
         <p:spPr>
           <a:xfrm>
-            <a:off x="107504" y="980728"/>
-            <a:ext cx="8856984" cy="4968552"/>
+            <a:off x="107504" y="764705"/>
+            <a:ext cx="8856984" cy="5760640"/>
           </a:xfrm>
           <a:prstGeom prst="wedgeRoundRectCallout">
             <a:avLst>
-              <a:gd name="adj1" fmla="val 7062"/>
-              <a:gd name="adj2" fmla="val -66341"/>
+              <a:gd name="adj1" fmla="val 7774"/>
+              <a:gd name="adj2" fmla="val -59773"/>
               <a:gd name="adj3" fmla="val 16667"/>
             </a:avLst>
           </a:prstGeom>
@@ -3417,7 +3417,7 @@
               <a:buAutoNum type="arabicPeriod"/>
             </a:pPr>
             <a:r>
-              <a:rPr lang="zh-CN" altLang="en-US" sz="4000" dirty="0" smtClean="0">
+              <a:rPr lang="zh-CN" altLang="en-US" sz="4400" dirty="0" smtClean="0">
                 <a:solidFill>
                   <a:srgbClr val="00B0F0"/>
                 </a:solidFill>
@@ -3427,7 +3427,7 @@
               <a:t>高品质</a:t>
             </a:r>
             <a:r>
-              <a:rPr lang="zh-CN" altLang="en-US" sz="2800" dirty="0" smtClean="0">
+              <a:rPr lang="zh-CN" altLang="en-US" sz="3200" dirty="0" smtClean="0">
                 <a:solidFill>
                   <a:srgbClr val="00B0F0"/>
                 </a:solidFill>
@@ -3437,7 +3437,7 @@
               <a:t>套镜</a:t>
             </a:r>
             <a:r>
-              <a:rPr lang="en-US" altLang="zh-CN" sz="5400" b="1" dirty="0" smtClean="0">
+              <a:rPr lang="en-US" altLang="zh-CN" sz="6000" b="1" u="sng" dirty="0" smtClean="0">
                 <a:solidFill>
                   <a:srgbClr val="FF0000"/>
                 </a:solidFill>
@@ -3447,7 +3447,7 @@
               <a:t>68</a:t>
             </a:r>
             <a:r>
-              <a:rPr lang="zh-CN" altLang="en-US" sz="5400" b="1" dirty="0" smtClean="0">
+              <a:rPr lang="zh-CN" altLang="en-US" sz="6000" b="1" u="sng" dirty="0" smtClean="0">
                 <a:solidFill>
                   <a:srgbClr val="FF0000"/>
                 </a:solidFill>
@@ -3457,7 +3457,7 @@
               <a:t>元</a:t>
             </a:r>
             <a:r>
-              <a:rPr lang="zh-CN" altLang="en-US" sz="2800" dirty="0" smtClean="0">
+              <a:rPr lang="zh-CN" altLang="en-US" sz="3200" dirty="0" smtClean="0">
                 <a:solidFill>
                   <a:srgbClr val="00B0F0"/>
                 </a:solidFill>
@@ -3466,7 +3466,7 @@
               </a:rPr>
               <a:t>起</a:t>
             </a:r>
-            <a:endParaRPr lang="en-US" altLang="zh-CN" sz="2800" dirty="0" smtClean="0">
+            <a:endParaRPr lang="en-US" altLang="zh-CN" sz="3200" dirty="0" smtClean="0">
               <a:solidFill>
                 <a:srgbClr val="00B0F0"/>
               </a:solidFill>
@@ -3480,7 +3480,7 @@
               <a:buAutoNum type="arabicPeriod"/>
             </a:pPr>
             <a:r>
-              <a:rPr lang="zh-CN" altLang="en-US" sz="2800" dirty="0" smtClean="0">
+              <a:rPr lang="zh-CN" altLang="en-US" sz="3200" dirty="0" smtClean="0">
                 <a:solidFill>
                   <a:srgbClr val="00B0F0"/>
                 </a:solidFill>
@@ -3490,7 +3490,7 @@
               <a:t>会员可享消费值</a:t>
             </a:r>
             <a:r>
-              <a:rPr lang="en-US" altLang="zh-CN" sz="2800" dirty="0" smtClean="0">
+              <a:rPr lang="en-US" altLang="zh-CN" sz="3200" dirty="0" smtClean="0">
                 <a:solidFill>
                   <a:srgbClr val="00B0F0"/>
                 </a:solidFill>
@@ -3500,26 +3500,75 @@
               <a:t>5%</a:t>
             </a:r>
             <a:r>
-              <a:rPr lang="zh-CN" altLang="en-US" sz="2800" dirty="0" smtClean="0">
+              <a:rPr lang="zh-CN" altLang="en-US" sz="3200" dirty="0" smtClean="0">
                 <a:solidFill>
                   <a:srgbClr val="00B0F0"/>
                 </a:solidFill>
                 <a:latin typeface="方正卡通_GBK" pitchFamily="2" charset="-122"/>
                 <a:ea typeface="方正卡通_GBK" pitchFamily="2" charset="-122"/>
               </a:rPr>
-              <a:t>的积分，</a:t>
-            </a:r>
-            <a:r>
-              <a:rPr lang="zh-CN" altLang="en-US" sz="3600" dirty="0" smtClean="0">
-                <a:solidFill>
-                  <a:srgbClr val="00B050"/>
+              <a:t>的积分</a:t>
+            </a:r>
+            <a:r>
+              <a:rPr lang="zh-CN" altLang="en-US" sz="3200" dirty="0" smtClean="0">
+                <a:solidFill>
+                  <a:srgbClr val="00B0F0"/>
                 </a:solidFill>
                 <a:latin typeface="方正卡通_GBK" pitchFamily="2" charset="-122"/>
                 <a:ea typeface="方正卡通_GBK" pitchFamily="2" charset="-122"/>
               </a:rPr>
-              <a:t>积分可以当钱花</a:t>
-            </a:r>
-            <a:endParaRPr lang="en-US" altLang="zh-CN" sz="3600" dirty="0" smtClean="0">
+              <a:t>，</a:t>
+            </a:r>
+            <a:endParaRPr lang="en-US" altLang="zh-CN" sz="3200" dirty="0" smtClean="0">
+              <a:solidFill>
+                <a:srgbClr val="00B0F0"/>
+              </a:solidFill>
+              <a:latin typeface="方正卡通_GBK" pitchFamily="2" charset="-122"/>
+              <a:ea typeface="方正卡通_GBK" pitchFamily="2" charset="-122"/>
+            </a:endParaRPr>
+          </a:p>
+          <a:p>
+            <a:r>
+              <a:rPr lang="en-US" altLang="zh-CN" sz="3200" dirty="0">
+                <a:solidFill>
+                  <a:srgbClr val="00B0F0"/>
+                </a:solidFill>
+                <a:latin typeface="方正卡通_GBK" pitchFamily="2" charset="-122"/>
+                <a:ea typeface="方正卡通_GBK" pitchFamily="2" charset="-122"/>
+              </a:rPr>
+              <a:t> </a:t>
+            </a:r>
+            <a:r>
+              <a:rPr lang="en-US" altLang="zh-CN" sz="3200" dirty="0" smtClean="0">
+                <a:solidFill>
+                  <a:srgbClr val="00B0F0"/>
+                </a:solidFill>
+                <a:latin typeface="方正卡通_GBK" pitchFamily="2" charset="-122"/>
+                <a:ea typeface="方正卡通_GBK" pitchFamily="2" charset="-122"/>
+              </a:rPr>
+              <a:t>    </a:t>
+            </a:r>
+            <a:r>
+              <a:rPr lang="zh-CN" altLang="en-US" sz="4400" u="sng" dirty="0" smtClean="0">
+                <a:solidFill>
+                  <a:srgbClr val="00B050"/>
+                </a:solidFill>
+                <a:latin typeface="方正卡通_GBK" pitchFamily="2" charset="-122"/>
+                <a:ea typeface="方正卡通_GBK" pitchFamily="2" charset="-122"/>
+              </a:rPr>
+              <a:t>积分</a:t>
+            </a:r>
+            <a:r>
+              <a:rPr lang="zh-CN" altLang="en-US" sz="4400" u="sng" dirty="0" smtClean="0">
+                <a:solidFill>
+                  <a:srgbClr val="00B050"/>
+                </a:solidFill>
+                <a:latin typeface="方正卡通_GBK" pitchFamily="2" charset="-122"/>
+                <a:ea typeface="方正卡通_GBK" pitchFamily="2" charset="-122"/>
+              </a:rPr>
+              <a:t>可以当钱花</a:t>
+            </a:r>
+            <a:endParaRPr lang="en-US" altLang="zh-CN" sz="4400" u="sng" dirty="0" smtClean="0">
               <a:solidFill>
                 <a:srgbClr val="00B050"/>
               </a:solidFill>
@@ -3533,7 +3582,7 @@
               <a:buAutoNum type="arabicPeriod"/>
             </a:pPr>
             <a:r>
-              <a:rPr lang="zh-CN" altLang="en-US" sz="2800" dirty="0" smtClean="0">
+              <a:rPr lang="zh-CN" altLang="en-US" sz="3200" dirty="0" smtClean="0">
                 <a:solidFill>
                   <a:srgbClr val="00B0F0"/>
                 </a:solidFill>
@@ -3543,7 +3592,7 @@
               <a:t>蔡司、依视路等品牌镜片享</a:t>
             </a:r>
             <a:r>
-              <a:rPr lang="en-US" altLang="zh-CN" sz="4800" b="1" dirty="0" smtClean="0">
+              <a:rPr lang="en-US" altLang="zh-CN" sz="5400" b="1" u="sng" dirty="0" smtClean="0">
                 <a:solidFill>
                   <a:schemeClr val="accent6">
                     <a:lumMod val="75000"/>
@@ -3555,7 +3604,7 @@
               <a:t>8</a:t>
             </a:r>
             <a:r>
-              <a:rPr lang="zh-CN" altLang="en-US" sz="4800" b="1" dirty="0" smtClean="0">
+              <a:rPr lang="zh-CN" altLang="en-US" sz="5400" b="1" u="sng" dirty="0" smtClean="0">
                 <a:solidFill>
                   <a:schemeClr val="accent6">
                     <a:lumMod val="75000"/>
@@ -3567,7 +3616,7 @@
               <a:t>折优惠</a:t>
             </a:r>
             <a:r>
-              <a:rPr lang="zh-CN" altLang="en-US" sz="2800" dirty="0">
+              <a:rPr lang="zh-CN" altLang="en-US" sz="3200" dirty="0">
                 <a:solidFill>
                   <a:srgbClr val="00B0F0"/>
                 </a:solidFill>
@@ -3577,7 +3626,7 @@
               <a:t>并</a:t>
             </a:r>
             <a:r>
-              <a:rPr lang="zh-CN" altLang="en-US" sz="2800" dirty="0" smtClean="0">
+              <a:rPr lang="zh-CN" altLang="en-US" sz="3200" dirty="0" smtClean="0">
                 <a:solidFill>
                   <a:srgbClr val="00B0F0"/>
                 </a:solidFill>
@@ -3586,7 +3635,7 @@
               </a:rPr>
               <a:t>可赠送同等价值的视力矫正或附属品</a:t>
             </a:r>
-            <a:endParaRPr lang="en-US" altLang="zh-CN" sz="2800" dirty="0" smtClean="0">
+            <a:endParaRPr lang="en-US" altLang="zh-CN" sz="3200" dirty="0" smtClean="0">
               <a:solidFill>
                 <a:srgbClr val="00B0F0"/>
               </a:solidFill>
@@ -3600,16 +3649,46 @@
               <a:buAutoNum type="arabicPeriod"/>
             </a:pPr>
             <a:r>
-              <a:rPr lang="zh-CN" altLang="en-US" sz="2800" dirty="0" smtClean="0">
+              <a:rPr lang="zh-CN" altLang="en-US" sz="3200" dirty="0" smtClean="0">
                 <a:solidFill>
                   <a:srgbClr val="00B0F0"/>
                 </a:solidFill>
                 <a:latin typeface="方正卡通_GBK" pitchFamily="2" charset="-122"/>
                 <a:ea typeface="方正卡通_GBK" pitchFamily="2" charset="-122"/>
               </a:rPr>
-              <a:t>专业验光科学配镜</a:t>
-            </a:r>
-            <a:endParaRPr lang="en-US" altLang="zh-CN" sz="2800" dirty="0" smtClean="0">
+              <a:t>专业验光科学配</a:t>
+            </a:r>
+            <a:r>
+              <a:rPr lang="zh-CN" altLang="en-US" sz="3200" dirty="0" smtClean="0">
+                <a:solidFill>
+                  <a:srgbClr val="00B0F0"/>
+                </a:solidFill>
+                <a:latin typeface="方正卡通_GBK" pitchFamily="2" charset="-122"/>
+                <a:ea typeface="方正卡通_GBK" pitchFamily="2" charset="-122"/>
+              </a:rPr>
+              <a:t>镜，享</a:t>
+            </a:r>
+            <a:r>
+              <a:rPr lang="en-US" altLang="zh-CN" sz="3200" dirty="0" smtClean="0">
+                <a:solidFill>
+                  <a:srgbClr val="00B0F0"/>
+                </a:solidFill>
+                <a:latin typeface="方正卡通_GBK" pitchFamily="2" charset="-122"/>
+                <a:ea typeface="方正卡通_GBK" pitchFamily="2" charset="-122"/>
+              </a:rPr>
+              <a:t>21</a:t>
+            </a:r>
+            <a:r>
+              <a:rPr lang="zh-CN" altLang="en-US" sz="3200" dirty="0" smtClean="0">
+                <a:solidFill>
+                  <a:srgbClr val="00B0F0"/>
+                </a:solidFill>
+                <a:latin typeface="方正卡通_GBK" pitchFamily="2" charset="-122"/>
+                <a:ea typeface="方正卡通_GBK" pitchFamily="2" charset="-122"/>
+              </a:rPr>
+              <a:t>项精确验光</a:t>
+            </a:r>
+            <a:endParaRPr lang="en-US" altLang="zh-CN" sz="3200" dirty="0" smtClean="0">
               <a:solidFill>
                 <a:srgbClr val="00B0F0"/>
               </a:solidFill>
@@ -3623,7 +3702,7 @@
               <a:buAutoNum type="arabicPeriod"/>
             </a:pPr>
             <a:r>
-              <a:rPr lang="zh-CN" altLang="en-US" sz="4000" dirty="0" smtClean="0">
+              <a:rPr lang="zh-CN" altLang="en-US" sz="4400" dirty="0" smtClean="0">
                 <a:solidFill>
                   <a:schemeClr val="tx1">
                     <a:lumMod val="95000"/>
@@ -3636,7 +3715,7 @@
               <a:t>终身免费</a:t>
             </a:r>
             <a:r>
-              <a:rPr lang="zh-CN" altLang="en-US" sz="2800" dirty="0" smtClean="0">
+              <a:rPr lang="zh-CN" altLang="en-US" sz="3200" dirty="0" smtClean="0">
                 <a:solidFill>
                   <a:srgbClr val="00B0F0"/>
                 </a:solidFill>
@@ -3645,7 +3724,7 @@
               </a:rPr>
               <a:t>维修清洗保养</a:t>
             </a:r>
-            <a:endParaRPr lang="en-US" altLang="zh-CN" sz="2800" dirty="0" smtClean="0">
+            <a:endParaRPr lang="en-US" altLang="zh-CN" sz="3200" dirty="0" smtClean="0">
               <a:solidFill>
                 <a:srgbClr val="00B0F0"/>
               </a:solidFill>
@@ -3659,7 +3738,7 @@
               <a:buAutoNum type="arabicPeriod"/>
             </a:pPr>
             <a:r>
-              <a:rPr lang="zh-CN" altLang="en-US" sz="2800" dirty="0" smtClean="0">
+              <a:rPr lang="zh-CN" altLang="en-US" sz="3200" dirty="0" smtClean="0">
                 <a:solidFill>
                   <a:srgbClr val="00B0F0"/>
                 </a:solidFill>
@@ -3669,7 +3748,7 @@
               <a:t>凡</a:t>
             </a:r>
             <a:r>
-              <a:rPr lang="en-US" altLang="zh-CN" sz="2800" dirty="0" smtClean="0">
+              <a:rPr lang="en-US" altLang="zh-CN" sz="3200" dirty="0" smtClean="0">
                 <a:solidFill>
                   <a:srgbClr val="00B0F0"/>
                 </a:solidFill>
@@ -3679,27 +3758,47 @@
               <a:t>50</a:t>
             </a:r>
             <a:r>
-              <a:rPr lang="zh-CN" altLang="en-US" sz="2800" dirty="0" smtClean="0">
+              <a:rPr lang="zh-CN" altLang="en-US" sz="3200" dirty="0" smtClean="0">
                 <a:solidFill>
                   <a:srgbClr val="00B0F0"/>
                 </a:solidFill>
                 <a:latin typeface="方正卡通_GBK" pitchFamily="2" charset="-122"/>
                 <a:ea typeface="方正卡通_GBK" pitchFamily="2" charset="-122"/>
               </a:rPr>
-              <a:t>岁以上老人进店。可</a:t>
-            </a:r>
-            <a:r>
-              <a:rPr lang="zh-CN" altLang="en-US" sz="3200" b="1" dirty="0" smtClean="0">
-                <a:solidFill>
-                  <a:srgbClr val="DB15A2"/>
+              <a:t>岁以上老人进</a:t>
+            </a:r>
+            <a:r>
+              <a:rPr lang="zh-CN" altLang="en-US" sz="3200" dirty="0" smtClean="0">
+                <a:solidFill>
+                  <a:srgbClr val="00B0F0"/>
                 </a:solidFill>
                 <a:latin typeface="方正卡通_GBK" pitchFamily="2" charset="-122"/>
                 <a:ea typeface="方正卡通_GBK" pitchFamily="2" charset="-122"/>
               </a:rPr>
-              <a:t>免费领取</a:t>
-            </a:r>
-            <a:r>
-              <a:rPr lang="zh-CN" altLang="en-US" sz="3200" dirty="0" smtClean="0">
+              <a:t>店，可</a:t>
+            </a:r>
+            <a:r>
+              <a:rPr lang="zh-CN" altLang="en-US" sz="4000" b="1" dirty="0" smtClean="0">
+                <a:solidFill>
+                  <a:srgbClr val="DB15A2"/>
+                </a:solidFill>
+                <a:latin typeface="方正卡通_GBK" pitchFamily="2" charset="-122"/>
+                <a:ea typeface="方正卡通_GBK" pitchFamily="2" charset="-122"/>
+              </a:rPr>
+              <a:t>免费</a:t>
+            </a:r>
+            <a:r>
+              <a:rPr lang="zh-CN" altLang="en-US" sz="4000" b="1" dirty="0" smtClean="0">
+                <a:solidFill>
+                  <a:srgbClr val="DB15A2"/>
+                </a:solidFill>
+                <a:latin typeface="方正卡通_GBK" pitchFamily="2" charset="-122"/>
+                <a:ea typeface="方正卡通_GBK" pitchFamily="2" charset="-122"/>
+              </a:rPr>
+              <a:t>领取</a:t>
+            </a:r>
+            <a:r>
+              <a:rPr lang="zh-CN" altLang="en-US" sz="4000" dirty="0" smtClean="0">
                 <a:solidFill>
                   <a:srgbClr val="DB15A2"/>
                 </a:solidFill>
@@ -3708,7 +3807,7 @@
               </a:rPr>
               <a:t>老花镜一副</a:t>
             </a:r>
-            <a:endParaRPr lang="zh-CN" altLang="en-US" sz="3200" dirty="0">
+            <a:endParaRPr lang="zh-CN" altLang="en-US" sz="3600" dirty="0">
               <a:solidFill>
                 <a:srgbClr val="DB15A2"/>
               </a:solidFill>
@@ -3777,7 +3876,7 @@
         </p:blipFill>
         <p:spPr>
           <a:xfrm>
-            <a:off x="1187624" y="2924944"/>
+            <a:off x="1187624" y="2924945"/>
             <a:ext cx="2659224" cy="3545632"/>
           </a:xfrm>
           <a:prstGeom prst="rect">
@@ -3807,7 +3906,7 @@
         </p:blipFill>
         <p:spPr>
           <a:xfrm>
-            <a:off x="2699792" y="332656"/>
+            <a:off x="2699794" y="332656"/>
             <a:ext cx="3140791" cy="4187720"/>
           </a:xfrm>
           <a:prstGeom prst="rect">
@@ -3837,7 +3936,7 @@
         </p:blipFill>
         <p:spPr>
           <a:xfrm>
-            <a:off x="755577" y="37485"/>
+            <a:off x="755577" y="37486"/>
             <a:ext cx="2489630" cy="3319507"/>
           </a:xfrm>
           <a:prstGeom prst="rect">
@@ -4065,8 +4164,8 @@
         </p:blipFill>
         <p:spPr>
           <a:xfrm>
-            <a:off x="1285785" y="2492896"/>
-            <a:ext cx="2047875" cy="2047875"/>
+            <a:off x="1285787" y="2492897"/>
+            <a:ext cx="2047875" cy="2047876"/>
           </a:xfrm>
           <a:prstGeom prst="rect">
             <a:avLst/>

--- a/yjd/design.pptx
+++ b/yjd/design.pptx
@@ -3507,17 +3507,7 @@
                 <a:latin typeface="方正卡通_GBK" pitchFamily="2" charset="-122"/>
                 <a:ea typeface="方正卡通_GBK" pitchFamily="2" charset="-122"/>
               </a:rPr>
-              <a:t>的积分</a:t>
-            </a:r>
-            <a:r>
-              <a:rPr lang="zh-CN" altLang="en-US" sz="3200" dirty="0" smtClean="0">
-                <a:solidFill>
-                  <a:srgbClr val="00B0F0"/>
-                </a:solidFill>
-                <a:latin typeface="方正卡通_GBK" pitchFamily="2" charset="-122"/>
-                <a:ea typeface="方正卡通_GBK" pitchFamily="2" charset="-122"/>
-              </a:rPr>
-              <a:t>，</a:t>
+              <a:t>的积分，</a:t>
             </a:r>
             <a:endParaRPr lang="en-US" altLang="zh-CN" sz="3200" dirty="0" smtClean="0">
               <a:solidFill>
@@ -3556,17 +3546,7 @@
                 <a:latin typeface="方正卡通_GBK" pitchFamily="2" charset="-122"/>
                 <a:ea typeface="方正卡通_GBK" pitchFamily="2" charset="-122"/>
               </a:rPr>
-              <a:t>积分</a:t>
-            </a:r>
-            <a:r>
-              <a:rPr lang="zh-CN" altLang="en-US" sz="4400" u="sng" dirty="0" smtClean="0">
-                <a:solidFill>
-                  <a:srgbClr val="00B050"/>
-                </a:solidFill>
-                <a:latin typeface="方正卡通_GBK" pitchFamily="2" charset="-122"/>
-                <a:ea typeface="方正卡通_GBK" pitchFamily="2" charset="-122"/>
-              </a:rPr>
-              <a:t>可以当钱花</a:t>
+              <a:t>积分可以当钱花</a:t>
             </a:r>
             <a:endParaRPr lang="en-US" altLang="zh-CN" sz="4400" u="sng" dirty="0" smtClean="0">
               <a:solidFill>
@@ -3656,17 +3636,7 @@
                 <a:latin typeface="方正卡通_GBK" pitchFamily="2" charset="-122"/>
                 <a:ea typeface="方正卡通_GBK" pitchFamily="2" charset="-122"/>
               </a:rPr>
-              <a:t>专业验光科学配</a:t>
-            </a:r>
-            <a:r>
-              <a:rPr lang="zh-CN" altLang="en-US" sz="3200" dirty="0" smtClean="0">
-                <a:solidFill>
-                  <a:srgbClr val="00B0F0"/>
-                </a:solidFill>
-                <a:latin typeface="方正卡通_GBK" pitchFamily="2" charset="-122"/>
-                <a:ea typeface="方正卡通_GBK" pitchFamily="2" charset="-122"/>
-              </a:rPr>
-              <a:t>镜，享</a:t>
+              <a:t>专业验光科学配镜，享</a:t>
             </a:r>
             <a:r>
               <a:rPr lang="en-US" altLang="zh-CN" sz="3200" dirty="0" smtClean="0">
@@ -3765,37 +3735,17 @@
                 <a:latin typeface="方正卡通_GBK" pitchFamily="2" charset="-122"/>
                 <a:ea typeface="方正卡通_GBK" pitchFamily="2" charset="-122"/>
               </a:rPr>
-              <a:t>岁以上老人进</a:t>
-            </a:r>
-            <a:r>
-              <a:rPr lang="zh-CN" altLang="en-US" sz="3200" dirty="0" smtClean="0">
-                <a:solidFill>
-                  <a:srgbClr val="00B0F0"/>
+              <a:t>岁以上老人进店，可</a:t>
+            </a:r>
+            <a:r>
+              <a:rPr lang="zh-CN" altLang="en-US" sz="4000" b="1" dirty="0" smtClean="0">
+                <a:solidFill>
+                  <a:srgbClr val="DB15A2"/>
                 </a:solidFill>
                 <a:latin typeface="方正卡通_GBK" pitchFamily="2" charset="-122"/>
                 <a:ea typeface="方正卡通_GBK" pitchFamily="2" charset="-122"/>
               </a:rPr>
-              <a:t>店，可</a:t>
-            </a:r>
-            <a:r>
-              <a:rPr lang="zh-CN" altLang="en-US" sz="4000" b="1" dirty="0" smtClean="0">
-                <a:solidFill>
-                  <a:srgbClr val="DB15A2"/>
-                </a:solidFill>
-                <a:latin typeface="方正卡通_GBK" pitchFamily="2" charset="-122"/>
-                <a:ea typeface="方正卡通_GBK" pitchFamily="2" charset="-122"/>
-              </a:rPr>
-              <a:t>免费</a:t>
-            </a:r>
-            <a:r>
-              <a:rPr lang="zh-CN" altLang="en-US" sz="4000" b="1" dirty="0" smtClean="0">
-                <a:solidFill>
-                  <a:srgbClr val="DB15A2"/>
-                </a:solidFill>
-                <a:latin typeface="方正卡通_GBK" pitchFamily="2" charset="-122"/>
-                <a:ea typeface="方正卡通_GBK" pitchFamily="2" charset="-122"/>
-              </a:rPr>
-              <a:t>领取</a:t>
+              <a:t>免费领取</a:t>
             </a:r>
             <a:r>
               <a:rPr lang="zh-CN" altLang="en-US" sz="4000" dirty="0" smtClean="0">
@@ -4164,8 +4114,8 @@
         </p:blipFill>
         <p:spPr>
           <a:xfrm>
-            <a:off x="1285787" y="2492897"/>
-            <a:ext cx="2047875" cy="2047876"/>
+            <a:off x="0" y="3356992"/>
+            <a:ext cx="2704569" cy="2704570"/>
           </a:xfrm>
           <a:prstGeom prst="rect">
             <a:avLst/>
@@ -4180,7 +4130,7 @@
         </p:nvCxnSpPr>
         <p:spPr>
           <a:xfrm flipH="1">
-            <a:off x="3491880" y="2780928"/>
+            <a:off x="2843808" y="3525592"/>
             <a:ext cx="972108" cy="0"/>
           </a:xfrm>
           <a:prstGeom prst="straightConnector1">
@@ -4213,8 +4163,8 @@
         </p:nvSpPr>
         <p:spPr>
           <a:xfrm>
-            <a:off x="3333660" y="2939460"/>
-            <a:ext cx="4982756" cy="1569660"/>
+            <a:off x="2718077" y="3507017"/>
+            <a:ext cx="6425923" cy="2677656"/>
           </a:xfrm>
           <a:prstGeom prst="rect">
             <a:avLst/>
@@ -4252,22 +4202,89 @@
                 <a:latin typeface="方正卡通_GBK" pitchFamily="2" charset="-122"/>
                 <a:ea typeface="方正卡通_GBK" pitchFamily="2" charset="-122"/>
               </a:rPr>
-              <a:t>长按图片扫描二维码。</a:t>
-            </a:r>
-            <a:endParaRPr lang="zh-CN" altLang="en-US" sz="3200" dirty="0">
-              <a:latin typeface="方正卡通_GBK" pitchFamily="2" charset="-122"/>
-              <a:ea typeface="方正卡通_GBK" pitchFamily="2" charset="-122"/>
-            </a:endParaRPr>
-          </a:p>
-          <a:p>
+              <a:t>长按图片</a:t>
+            </a:r>
             <a:r>
               <a:rPr lang="zh-CN" altLang="en-US" sz="3200" dirty="0" smtClean="0">
                 <a:latin typeface="方正卡通_GBK" pitchFamily="2" charset="-122"/>
                 <a:ea typeface="方正卡通_GBK" pitchFamily="2" charset="-122"/>
               </a:rPr>
-              <a:t>扫码领取更多精彩福利！</a:t>
+              <a:t>扫描左侧二</a:t>
+            </a:r>
+            <a:r>
+              <a:rPr lang="zh-CN" altLang="en-US" sz="3200" dirty="0" smtClean="0">
+                <a:latin typeface="方正卡通_GBK" pitchFamily="2" charset="-122"/>
+                <a:ea typeface="方正卡通_GBK" pitchFamily="2" charset="-122"/>
+              </a:rPr>
+              <a:t>维码</a:t>
+            </a:r>
+            <a:r>
+              <a:rPr lang="zh-CN" altLang="en-US" sz="3200" dirty="0" smtClean="0">
+                <a:latin typeface="方正卡通_GBK" pitchFamily="2" charset="-122"/>
+                <a:ea typeface="方正卡通_GBK" pitchFamily="2" charset="-122"/>
+              </a:rPr>
+              <a:t>。</a:t>
             </a:r>
             <a:endParaRPr lang="en-US" altLang="zh-CN" sz="3200" dirty="0" smtClean="0">
+              <a:latin typeface="方正卡通_GBK" pitchFamily="2" charset="-122"/>
+              <a:ea typeface="方正卡通_GBK" pitchFamily="2" charset="-122"/>
+            </a:endParaRPr>
+          </a:p>
+          <a:p>
+            <a:r>
+              <a:rPr lang="zh-CN" altLang="en-US" sz="3200" dirty="0" smtClean="0">
+                <a:latin typeface="方正卡通_GBK" pitchFamily="2" charset="-122"/>
+                <a:ea typeface="方正卡通_GBK" pitchFamily="2" charset="-122"/>
+              </a:rPr>
+              <a:t>并转发本页面至朋友圈</a:t>
+            </a:r>
+            <a:r>
+              <a:rPr lang="en-US" altLang="zh-CN" sz="3200" dirty="0" smtClean="0">
+                <a:latin typeface="方正卡通_GBK" pitchFamily="2" charset="-122"/>
+                <a:ea typeface="方正卡通_GBK" pitchFamily="2" charset="-122"/>
+              </a:rPr>
+              <a:t>24</a:t>
+            </a:r>
+            <a:r>
+              <a:rPr lang="zh-CN" altLang="en-US" sz="3200" dirty="0" smtClean="0">
+                <a:latin typeface="方正卡通_GBK" pitchFamily="2" charset="-122"/>
+                <a:ea typeface="方正卡通_GBK" pitchFamily="2" charset="-122"/>
+              </a:rPr>
+              <a:t>小时以上，</a:t>
+            </a:r>
+            <a:endParaRPr lang="en-US" altLang="zh-CN" sz="3200" dirty="0" smtClean="0">
+              <a:latin typeface="方正卡通_GBK" pitchFamily="2" charset="-122"/>
+              <a:ea typeface="方正卡通_GBK" pitchFamily="2" charset="-122"/>
+            </a:endParaRPr>
+          </a:p>
+          <a:p>
+            <a:r>
+              <a:rPr lang="zh-CN" altLang="en-US" sz="3200" dirty="0" smtClean="0">
+                <a:latin typeface="方正卡通_GBK" pitchFamily="2" charset="-122"/>
+                <a:ea typeface="方正卡通_GBK" pitchFamily="2" charset="-122"/>
+              </a:rPr>
+              <a:t>凭屏幕截图即可到店</a:t>
+            </a:r>
+            <a:endParaRPr lang="en-US" altLang="zh-CN" sz="3200" dirty="0" smtClean="0">
+              <a:latin typeface="方正卡通_GBK" pitchFamily="2" charset="-122"/>
+              <a:ea typeface="方正卡通_GBK" pitchFamily="2" charset="-122"/>
+            </a:endParaRPr>
+          </a:p>
+          <a:p>
+            <a:r>
+              <a:rPr lang="zh-CN" altLang="en-US" sz="4000" b="1" dirty="0" smtClean="0">
+                <a:solidFill>
+                  <a:srgbClr val="FF0000"/>
+                </a:solidFill>
+                <a:latin typeface="方正卡通_GBK" pitchFamily="2" charset="-122"/>
+                <a:ea typeface="方正卡通_GBK" pitchFamily="2" charset="-122"/>
+              </a:rPr>
+              <a:t>领取精美礼品一份</a:t>
+            </a:r>
+            <a:endParaRPr lang="zh-CN" altLang="en-US" sz="4000" b="1" dirty="0">
+              <a:solidFill>
+                <a:srgbClr val="FF0000"/>
+              </a:solidFill>
               <a:latin typeface="方正卡通_GBK" pitchFamily="2" charset="-122"/>
               <a:ea typeface="方正卡通_GBK" pitchFamily="2" charset="-122"/>
             </a:endParaRPr>
@@ -4284,6 +4301,13 @@
   <p:clrMapOvr>
     <a:masterClrMapping/>
   </p:clrMapOvr>
+  <p:timing>
+    <p:tnLst>
+      <p:par>
+        <p:cTn id="1" dur="indefinite" restart="never" nodeType="tmRoot"/>
+      </p:par>
+    </p:tnLst>
+  </p:timing>
 </p:sld>
 </file>
 

--- a/yjd/design.pptx
+++ b/yjd/design.pptx
@@ -10,6 +10,7 @@
     <p:sldId id="259" r:id="rId4"/>
     <p:sldId id="260" r:id="rId5"/>
     <p:sldId id="261" r:id="rId6"/>
+    <p:sldId id="262" r:id="rId7"/>
   </p:sldIdLst>
   <p:sldSz cx="9144000" cy="6858000" type="screen4x3"/>
   <p:notesSz cx="6858000" cy="9144000"/>
@@ -292,7 +293,7 @@
           <a:p>
             <a:fld id="{CA6FEEFC-70F8-4D68-A6B1-1D9FA487A6DD}" type="datetimeFigureOut">
               <a:rPr lang="zh-CN" altLang="en-US" smtClean="0"/>
-              <a:t>2019年08月14日</a:t>
+              <a:t>2019年08月16日</a:t>
             </a:fld>
             <a:endParaRPr lang="zh-CN" altLang="en-US"/>
           </a:p>
@@ -462,7 +463,7 @@
           <a:p>
             <a:fld id="{CA6FEEFC-70F8-4D68-A6B1-1D9FA487A6DD}" type="datetimeFigureOut">
               <a:rPr lang="zh-CN" altLang="en-US" smtClean="0"/>
-              <a:t>2019年08月14日</a:t>
+              <a:t>2019年08月16日</a:t>
             </a:fld>
             <a:endParaRPr lang="zh-CN" altLang="en-US"/>
           </a:p>
@@ -642,7 +643,7 @@
           <a:p>
             <a:fld id="{CA6FEEFC-70F8-4D68-A6B1-1D9FA487A6DD}" type="datetimeFigureOut">
               <a:rPr lang="zh-CN" altLang="en-US" smtClean="0"/>
-              <a:t>2019年08月14日</a:t>
+              <a:t>2019年08月16日</a:t>
             </a:fld>
             <a:endParaRPr lang="zh-CN" altLang="en-US"/>
           </a:p>
@@ -812,7 +813,7 @@
           <a:p>
             <a:fld id="{CA6FEEFC-70F8-4D68-A6B1-1D9FA487A6DD}" type="datetimeFigureOut">
               <a:rPr lang="zh-CN" altLang="en-US" smtClean="0"/>
-              <a:t>2019年08月14日</a:t>
+              <a:t>2019年08月16日</a:t>
             </a:fld>
             <a:endParaRPr lang="zh-CN" altLang="en-US"/>
           </a:p>
@@ -1058,7 +1059,7 @@
           <a:p>
             <a:fld id="{CA6FEEFC-70F8-4D68-A6B1-1D9FA487A6DD}" type="datetimeFigureOut">
               <a:rPr lang="zh-CN" altLang="en-US" smtClean="0"/>
-              <a:t>2019年08月14日</a:t>
+              <a:t>2019年08月16日</a:t>
             </a:fld>
             <a:endParaRPr lang="zh-CN" altLang="en-US"/>
           </a:p>
@@ -1346,7 +1347,7 @@
           <a:p>
             <a:fld id="{CA6FEEFC-70F8-4D68-A6B1-1D9FA487A6DD}" type="datetimeFigureOut">
               <a:rPr lang="zh-CN" altLang="en-US" smtClean="0"/>
-              <a:t>2019年08月14日</a:t>
+              <a:t>2019年08月16日</a:t>
             </a:fld>
             <a:endParaRPr lang="zh-CN" altLang="en-US"/>
           </a:p>
@@ -1768,7 +1769,7 @@
           <a:p>
             <a:fld id="{CA6FEEFC-70F8-4D68-A6B1-1D9FA487A6DD}" type="datetimeFigureOut">
               <a:rPr lang="zh-CN" altLang="en-US" smtClean="0"/>
-              <a:t>2019年08月14日</a:t>
+              <a:t>2019年08月16日</a:t>
             </a:fld>
             <a:endParaRPr lang="zh-CN" altLang="en-US"/>
           </a:p>
@@ -1886,7 +1887,7 @@
           <a:p>
             <a:fld id="{CA6FEEFC-70F8-4D68-A6B1-1D9FA487A6DD}" type="datetimeFigureOut">
               <a:rPr lang="zh-CN" altLang="en-US" smtClean="0"/>
-              <a:t>2019年08月14日</a:t>
+              <a:t>2019年08月16日</a:t>
             </a:fld>
             <a:endParaRPr lang="zh-CN" altLang="en-US"/>
           </a:p>
@@ -1981,7 +1982,7 @@
           <a:p>
             <a:fld id="{CA6FEEFC-70F8-4D68-A6B1-1D9FA487A6DD}" type="datetimeFigureOut">
               <a:rPr lang="zh-CN" altLang="en-US" smtClean="0"/>
-              <a:t>2019年08月14日</a:t>
+              <a:t>2019年08月16日</a:t>
             </a:fld>
             <a:endParaRPr lang="zh-CN" altLang="en-US"/>
           </a:p>
@@ -2258,7 +2259,7 @@
           <a:p>
             <a:fld id="{CA6FEEFC-70F8-4D68-A6B1-1D9FA487A6DD}" type="datetimeFigureOut">
               <a:rPr lang="zh-CN" altLang="en-US" smtClean="0"/>
-              <a:t>2019年08月14日</a:t>
+              <a:t>2019年08月16日</a:t>
             </a:fld>
             <a:endParaRPr lang="zh-CN" altLang="en-US"/>
           </a:p>
@@ -2511,7 +2512,7 @@
           <a:p>
             <a:fld id="{CA6FEEFC-70F8-4D68-A6B1-1D9FA487A6DD}" type="datetimeFigureOut">
               <a:rPr lang="zh-CN" altLang="en-US" smtClean="0"/>
-              <a:t>2019年08月14日</a:t>
+              <a:t>2019年08月16日</a:t>
             </a:fld>
             <a:endParaRPr lang="zh-CN" altLang="en-US"/>
           </a:p>
@@ -2724,7 +2725,7 @@
           <a:p>
             <a:fld id="{CA6FEEFC-70F8-4D68-A6B1-1D9FA487A6DD}" type="datetimeFigureOut">
               <a:rPr lang="zh-CN" altLang="en-US" smtClean="0"/>
-              <a:t>2019年08月14日</a:t>
+              <a:t>2019年08月16日</a:t>
             </a:fld>
             <a:endParaRPr lang="zh-CN" altLang="en-US"/>
           </a:p>
@@ -4122,39 +4123,6 @@
           </a:prstGeom>
         </p:spPr>
       </p:pic>
-      <p:cxnSp>
-        <p:nvCxnSpPr>
-          <p:cNvPr id="6" name="直接箭头连接符 5"/>
-          <p:cNvCxnSpPr/>
-          <p:nvPr/>
-        </p:nvCxnSpPr>
-        <p:spPr>
-          <a:xfrm flipH="1">
-            <a:off x="2843808" y="3525592"/>
-            <a:ext cx="972108" cy="0"/>
-          </a:xfrm>
-          <a:prstGeom prst="straightConnector1">
-            <a:avLst/>
-          </a:prstGeom>
-          <a:ln>
-            <a:tailEnd type="arrow"/>
-          </a:ln>
-        </p:spPr>
-        <p:style>
-          <a:lnRef idx="3">
-            <a:schemeClr val="accent5"/>
-          </a:lnRef>
-          <a:fillRef idx="0">
-            <a:schemeClr val="accent5"/>
-          </a:fillRef>
-          <a:effectRef idx="2">
-            <a:schemeClr val="accent5"/>
-          </a:effectRef>
-          <a:fontRef idx="minor">
-            <a:schemeClr val="tx1"/>
-          </a:fontRef>
-        </p:style>
-      </p:cxnSp>
       <p:sp>
         <p:nvSpPr>
           <p:cNvPr id="9" name="TextBox 8"/>
@@ -4163,8 +4131,8 @@
         </p:nvSpPr>
         <p:spPr>
           <a:xfrm>
-            <a:off x="2718077" y="3507017"/>
-            <a:ext cx="6425923" cy="2677656"/>
+            <a:off x="2718077" y="3836074"/>
+            <a:ext cx="6425923" cy="2185214"/>
           </a:xfrm>
           <a:prstGeom prst="rect">
             <a:avLst/>
@@ -4202,68 +4170,27 @@
                 <a:latin typeface="方正卡通_GBK" pitchFamily="2" charset="-122"/>
                 <a:ea typeface="方正卡通_GBK" pitchFamily="2" charset="-122"/>
               </a:rPr>
-              <a:t>长按图片</a:t>
-            </a:r>
+              <a:t>长按图片扫描左侧二维码。</a:t>
+            </a:r>
+            <a:endParaRPr lang="en-US" altLang="zh-CN" sz="3200" dirty="0" smtClean="0">
+              <a:latin typeface="方正卡通_GBK" pitchFamily="2" charset="-122"/>
+              <a:ea typeface="方正卡通_GBK" pitchFamily="2" charset="-122"/>
+            </a:endParaRPr>
+          </a:p>
+          <a:p>
             <a:r>
               <a:rPr lang="zh-CN" altLang="en-US" sz="3200" dirty="0" smtClean="0">
                 <a:latin typeface="方正卡通_GBK" pitchFamily="2" charset="-122"/>
                 <a:ea typeface="方正卡通_GBK" pitchFamily="2" charset="-122"/>
               </a:rPr>
-              <a:t>扫描左侧二</a:t>
+              <a:t>转发至朋友圈三天以上，即</a:t>
             </a:r>
             <a:r>
               <a:rPr lang="zh-CN" altLang="en-US" sz="3200" dirty="0" smtClean="0">
                 <a:latin typeface="方正卡通_GBK" pitchFamily="2" charset="-122"/>
                 <a:ea typeface="方正卡通_GBK" pitchFamily="2" charset="-122"/>
               </a:rPr>
-              <a:t>维码</a:t>
-            </a:r>
-            <a:r>
-              <a:rPr lang="zh-CN" altLang="en-US" sz="3200" dirty="0" smtClean="0">
-                <a:latin typeface="方正卡通_GBK" pitchFamily="2" charset="-122"/>
-                <a:ea typeface="方正卡通_GBK" pitchFamily="2" charset="-122"/>
-              </a:rPr>
-              <a:t>。</a:t>
-            </a:r>
-            <a:endParaRPr lang="en-US" altLang="zh-CN" sz="3200" dirty="0" smtClean="0">
-              <a:latin typeface="方正卡通_GBK" pitchFamily="2" charset="-122"/>
-              <a:ea typeface="方正卡通_GBK" pitchFamily="2" charset="-122"/>
-            </a:endParaRPr>
-          </a:p>
-          <a:p>
-            <a:r>
-              <a:rPr lang="zh-CN" altLang="en-US" sz="3200" dirty="0" smtClean="0">
-                <a:latin typeface="方正卡通_GBK" pitchFamily="2" charset="-122"/>
-                <a:ea typeface="方正卡通_GBK" pitchFamily="2" charset="-122"/>
-              </a:rPr>
-              <a:t>并转发本页面至朋友圈</a:t>
-            </a:r>
-            <a:r>
-              <a:rPr lang="en-US" altLang="zh-CN" sz="3200" dirty="0" smtClean="0">
-                <a:latin typeface="方正卡通_GBK" pitchFamily="2" charset="-122"/>
-                <a:ea typeface="方正卡通_GBK" pitchFamily="2" charset="-122"/>
-              </a:rPr>
-              <a:t>24</a:t>
-            </a:r>
-            <a:r>
-              <a:rPr lang="zh-CN" altLang="en-US" sz="3200" dirty="0" smtClean="0">
-                <a:latin typeface="方正卡通_GBK" pitchFamily="2" charset="-122"/>
-                <a:ea typeface="方正卡通_GBK" pitchFamily="2" charset="-122"/>
-              </a:rPr>
-              <a:t>小时以上，</a:t>
-            </a:r>
-            <a:endParaRPr lang="en-US" altLang="zh-CN" sz="3200" dirty="0" smtClean="0">
-              <a:latin typeface="方正卡通_GBK" pitchFamily="2" charset="-122"/>
-              <a:ea typeface="方正卡通_GBK" pitchFamily="2" charset="-122"/>
-            </a:endParaRPr>
-          </a:p>
-          <a:p>
-            <a:r>
-              <a:rPr lang="zh-CN" altLang="en-US" sz="3200" dirty="0" smtClean="0">
-                <a:latin typeface="方正卡通_GBK" pitchFamily="2" charset="-122"/>
-                <a:ea typeface="方正卡通_GBK" pitchFamily="2" charset="-122"/>
-              </a:rPr>
-              <a:t>凭屏幕截图即可到店</a:t>
+              <a:t>可到店</a:t>
             </a:r>
             <a:endParaRPr lang="en-US" altLang="zh-CN" sz="3200" dirty="0" smtClean="0">
               <a:latin typeface="方正卡通_GBK" pitchFamily="2" charset="-122"/>
@@ -4291,10 +4218,171 @@
           </a:p>
         </p:txBody>
       </p:sp>
+      <p:sp>
+        <p:nvSpPr>
+          <p:cNvPr id="2" name="左箭头 1"/>
+          <p:cNvSpPr/>
+          <p:nvPr/>
+        </p:nvSpPr>
+        <p:spPr>
+          <a:xfrm>
+            <a:off x="2843808" y="3356992"/>
+            <a:ext cx="1944216" cy="576064"/>
+          </a:xfrm>
+          <a:prstGeom prst="leftArrow">
+            <a:avLst/>
+          </a:prstGeom>
+        </p:spPr>
+        <p:style>
+          <a:lnRef idx="1">
+            <a:schemeClr val="accent5"/>
+          </a:lnRef>
+          <a:fillRef idx="2">
+            <a:schemeClr val="accent5"/>
+          </a:fillRef>
+          <a:effectRef idx="1">
+            <a:schemeClr val="accent5"/>
+          </a:effectRef>
+          <a:fontRef idx="minor">
+            <a:schemeClr val="dk1"/>
+          </a:fontRef>
+        </p:style>
+        <p:txBody>
+          <a:bodyPr rtlCol="0" anchor="ctr"/>
+          <a:lstStyle/>
+          <a:p>
+            <a:pPr algn="ctr"/>
+            <a:endParaRPr lang="zh-CN" altLang="en-US"/>
+          </a:p>
+        </p:txBody>
+      </p:sp>
     </p:spTree>
     <p:extLst>
       <p:ext uri="{BB962C8B-B14F-4D97-AF65-F5344CB8AC3E}">
         <p14:creationId xmlns:p14="http://schemas.microsoft.com/office/powerpoint/2010/main" val="607060660"/>
+      </p:ext>
+    </p:extLst>
+  </p:cSld>
+  <p:clrMapOvr>
+    <a:masterClrMapping/>
+  </p:clrMapOvr>
+  <p:timing>
+    <p:tnLst>
+      <p:par>
+        <p:cTn id="1" dur="indefinite" restart="never" nodeType="tmRoot"/>
+      </p:par>
+    </p:tnLst>
+  </p:timing>
+</p:sld>
+</file>
+
+<file path=ppt/slides/slide6.xml><?xml version="1.0" encoding="utf-8"?>
+<p:sld xmlns:a="http://schemas.openxmlformats.org/drawingml/2006/main" xmlns:r="http://schemas.openxmlformats.org/officeDocument/2006/relationships" xmlns:p="http://schemas.openxmlformats.org/presentationml/2006/main">
+  <p:cSld>
+    <p:spTree>
+      <p:nvGrpSpPr>
+        <p:cNvPr id="1" name=""/>
+        <p:cNvGrpSpPr/>
+        <p:nvPr/>
+      </p:nvGrpSpPr>
+      <p:grpSpPr>
+        <a:xfrm>
+          <a:off x="0" y="0"/>
+          <a:ext cx="0" cy="0"/>
+          <a:chOff x="0" y="0"/>
+          <a:chExt cx="0" cy="0"/>
+        </a:xfrm>
+      </p:grpSpPr>
+      <p:pic>
+        <p:nvPicPr>
+          <p:cNvPr id="6" name="图片 5"/>
+          <p:cNvPicPr>
+            <a:picLocks noChangeAspect="1"/>
+          </p:cNvPicPr>
+          <p:nvPr/>
+        </p:nvPicPr>
+        <p:blipFill>
+          <a:blip r:embed="rId2">
+            <a:extLst>
+              <a:ext uri="{28A0092B-C50C-407E-A947-70E740481C1C}">
+                <a14:useLocalDpi xmlns:a14="http://schemas.microsoft.com/office/drawing/2010/main" val="0"/>
+              </a:ext>
+            </a:extLst>
+          </a:blip>
+          <a:stretch>
+            <a:fillRect/>
+          </a:stretch>
+        </p:blipFill>
+        <p:spPr>
+          <a:xfrm>
+            <a:off x="9386" y="1538476"/>
+            <a:ext cx="9144000" cy="3920133"/>
+          </a:xfrm>
+          <a:prstGeom prst="rect">
+            <a:avLst/>
+          </a:prstGeom>
+        </p:spPr>
+      </p:pic>
+      <p:sp>
+        <p:nvSpPr>
+          <p:cNvPr id="5" name="TextBox 4"/>
+          <p:cNvSpPr txBox="1"/>
+          <p:nvPr/>
+        </p:nvSpPr>
+        <p:spPr>
+          <a:xfrm>
+            <a:off x="0" y="5458609"/>
+            <a:ext cx="9134614" cy="954107"/>
+          </a:xfrm>
+          <a:prstGeom prst="rect">
+            <a:avLst/>
+          </a:prstGeom>
+          <a:noFill/>
+        </p:spPr>
+        <p:txBody>
+          <a:bodyPr wrap="square" rtlCol="0">
+            <a:spAutoFit/>
+          </a:bodyPr>
+          <a:lstStyle/>
+          <a:p>
+            <a:r>
+              <a:rPr lang="zh-CN" altLang="en-US" sz="2800" dirty="0" smtClean="0">
+                <a:latin typeface="隶书" pitchFamily="49" charset="-122"/>
+                <a:ea typeface="隶书" pitchFamily="49" charset="-122"/>
+              </a:rPr>
+              <a:t>地址：</a:t>
+            </a:r>
+            <a:r>
+              <a:rPr lang="zh-CN" altLang="en-US" sz="2800" dirty="0">
+                <a:latin typeface="隶书" pitchFamily="49" charset="-122"/>
+                <a:ea typeface="隶书" pitchFamily="49" charset="-122"/>
+              </a:rPr>
+              <a:t>沈阳市和平区中海国际一期南门长白岛</a:t>
+            </a:r>
+            <a:r>
+              <a:rPr lang="zh-CN" altLang="en-US" sz="2800" dirty="0" smtClean="0">
+                <a:latin typeface="隶书" pitchFamily="49" charset="-122"/>
+                <a:ea typeface="隶书" pitchFamily="49" charset="-122"/>
+              </a:rPr>
+              <a:t>眼镜</a:t>
+            </a:r>
+            <a:endParaRPr lang="zh-CN" altLang="en-US" sz="2800" dirty="0">
+              <a:latin typeface="隶书" pitchFamily="49" charset="-122"/>
+              <a:ea typeface="隶书" pitchFamily="49" charset="-122"/>
+            </a:endParaRPr>
+          </a:p>
+          <a:p>
+            <a:endParaRPr lang="zh-CN" altLang="en-US" sz="2800" dirty="0">
+              <a:latin typeface="隶书" pitchFamily="49" charset="-122"/>
+              <a:ea typeface="隶书" pitchFamily="49" charset="-122"/>
+            </a:endParaRPr>
+          </a:p>
+        </p:txBody>
+      </p:sp>
+    </p:spTree>
+    <p:extLst>
+      <p:ext uri="{BB962C8B-B14F-4D97-AF65-F5344CB8AC3E}">
+        <p14:creationId xmlns:p14="http://schemas.microsoft.com/office/powerpoint/2010/main" val="1823846477"/>
       </p:ext>
     </p:extLst>
   </p:cSld>
